--- a/doc/BusinessModelCanvas.pptx
+++ b/doc/BusinessModelCanvas.pptx
@@ -7927,7 +7927,7 @@
               <a:t> </a:t>
             </a:r>
             <a:r>
-              <a:rPr lang="en-US" sz="4900" kern="1200" dirty="0">
+              <a:rPr lang="en-US" sz="4900" kern="1200" dirty="0" err="1">
                 <a:solidFill>
                   <a:srgbClr val="00B0F0"/>
                 </a:solidFill>
@@ -7935,7 +7935,7 @@
                 <a:ea typeface="+mj-ea"/>
                 <a:cs typeface="+mj-cs"/>
               </a:rPr>
-              <a:t>HistoryCar</a:t>
+              <a:t>CarBuddy</a:t>
             </a:r>
             <a:endParaRPr lang="en-US" sz="4900" b="1" kern="1200" dirty="0">
               <a:solidFill>
